--- a/课程模板.pptx
+++ b/课程模板.pptx
@@ -5895,7 +5895,7 @@
       </p:sp>
       <p:pic>
         <p:nvPicPr>
-          <p:cNvPr id="7" name="图片 6" descr="副本_副本_副本_腾讯课程封面_自定义px_2022-04-05+16_34_07"/>
+          <p:cNvPr id="10" name="图片 9" descr="封面"/>
           <p:cNvPicPr>
             <a:picLocks noChangeAspect="1"/>
           </p:cNvPicPr>
@@ -5910,7 +5910,7 @@
         <p:spPr>
           <a:xfrm>
             <a:off x="0" y="0"/>
-            <a:ext cx="12192000" cy="6862445"/>
+            <a:ext cx="12191365" cy="6862445"/>
           </a:xfrm>
           <a:prstGeom prst="rect">
             <a:avLst/>

--- a/课程模板.pptx
+++ b/课程模板.pptx
@@ -11,7 +11,7 @@
     <p:handoutMasterId r:id="rId19"/>
   </p:handoutMasterIdLst>
   <p:sldIdLst>
-    <p:sldId id="527" r:id="rId3"/>
+    <p:sldId id="842" r:id="rId3"/>
     <p:sldId id="308" r:id="rId4"/>
     <p:sldId id="391" r:id="rId5"/>
     <p:sldId id="668" r:id="rId6"/>
@@ -25,7 +25,7 @@
     <p:sldId id="315" r:id="rId14"/>
     <p:sldId id="367" r:id="rId15"/>
     <p:sldId id="451" r:id="rId16"/>
-    <p:sldId id="829" r:id="rId17"/>
+    <p:sldId id="841" r:id="rId17"/>
   </p:sldIdLst>
   <p:sldSz cx="12192000" cy="6858000"/>
   <p:notesSz cx="6858000" cy="9144000"/>
@@ -5895,7 +5895,7 @@
       </p:sp>
       <p:pic>
         <p:nvPicPr>
-          <p:cNvPr id="10" name="图片 9" descr="封面"/>
+          <p:cNvPr id="7" name="图片 6" descr="副本_副本_副本_腾讯课程封面_自定义px_2022-04-05+16_34_07"/>
           <p:cNvPicPr>
             <a:picLocks noChangeAspect="1"/>
           </p:cNvPicPr>
@@ -5910,7 +5910,7 @@
         <p:spPr>
           <a:xfrm>
             <a:off x="0" y="0"/>
-            <a:ext cx="12191365" cy="6862445"/>
+            <a:ext cx="12192000" cy="6862445"/>
           </a:xfrm>
           <a:prstGeom prst="rect">
             <a:avLst/>
@@ -6130,6 +6130,32 @@
         <p:nvPr/>
       </p:nvGrpSpPr>
       <p:grpSpPr/>
+      <p:sp>
+        <p:nvSpPr>
+          <p:cNvPr id="2" name="标题 1"/>
+          <p:cNvSpPr>
+            <a:spLocks noGrp="1"/>
+          </p:cNvSpPr>
+          <p:nvPr>
+            <p:ph type="title"/>
+          </p:nvPr>
+        </p:nvSpPr>
+        <p:spPr/>
+        <p:txBody>
+          <a:bodyPr/>
+          <a:p>
+            <a:r>
+              <a:rPr lang="zh-CN" altLang="en-US"/>
+              <a:t>谢谢你</a:t>
+            </a:r>
+            <a:r>
+              <a:rPr lang="en-US" altLang="zh-CN"/>
+              <a:t>~</a:t>
+            </a:r>
+            <a:endParaRPr lang="en-US" altLang="zh-CN"/>
+          </a:p>
+        </p:txBody>
+      </p:sp>
     </p:spTree>
     <p:custDataLst>
       <p:tags r:id="rId1"/>
